--- a/assets/images/instructions-editable.pptx
+++ b/assets/images/instructions-editable.pptx
@@ -104,6 +104,11 @@
       </a:defRPr>
     </a:lvl9pPr>
   </p:defaultTextStyle>
+  <p:extLst>
+    <p:ext uri="{EFAFB233-063F-42B5-8137-9DF3F51BA10A}">
+      <p15:sldGuideLst xmlns:p15="http://schemas.microsoft.com/office/powerpoint/2012/main"/>
+    </p:ext>
+  </p:extLst>
 </p:presentation>
 </file>
 
@@ -254,7 +259,7 @@
           <a:p>
             <a:fld id="{855C0E1E-9B08-466F-ACFB-E106034149E5}" type="datetimeFigureOut">
               <a:rPr lang="he-IL" smtClean="0"/>
-              <a:t>א'/טבת/תשפ"ב</a:t>
+              <a:t>ה'/שבט/תשפ"ב</a:t>
             </a:fld>
             <a:endParaRPr lang="he-IL"/>
           </a:p>
@@ -452,7 +457,7 @@
           <a:p>
             <a:fld id="{855C0E1E-9B08-466F-ACFB-E106034149E5}" type="datetimeFigureOut">
               <a:rPr lang="he-IL" smtClean="0"/>
-              <a:t>א'/טבת/תשפ"ב</a:t>
+              <a:t>ה'/שבט/תשפ"ב</a:t>
             </a:fld>
             <a:endParaRPr lang="he-IL"/>
           </a:p>
@@ -660,7 +665,7 @@
           <a:p>
             <a:fld id="{855C0E1E-9B08-466F-ACFB-E106034149E5}" type="datetimeFigureOut">
               <a:rPr lang="he-IL" smtClean="0"/>
-              <a:t>א'/טבת/תשפ"ב</a:t>
+              <a:t>ה'/שבט/תשפ"ב</a:t>
             </a:fld>
             <a:endParaRPr lang="he-IL"/>
           </a:p>
@@ -858,7 +863,7 @@
           <a:p>
             <a:fld id="{855C0E1E-9B08-466F-ACFB-E106034149E5}" type="datetimeFigureOut">
               <a:rPr lang="he-IL" smtClean="0"/>
-              <a:t>א'/טבת/תשפ"ב</a:t>
+              <a:t>ה'/שבט/תשפ"ב</a:t>
             </a:fld>
             <a:endParaRPr lang="he-IL"/>
           </a:p>
@@ -1133,7 +1138,7 @@
           <a:p>
             <a:fld id="{855C0E1E-9B08-466F-ACFB-E106034149E5}" type="datetimeFigureOut">
               <a:rPr lang="he-IL" smtClean="0"/>
-              <a:t>א'/טבת/תשפ"ב</a:t>
+              <a:t>ה'/שבט/תשפ"ב</a:t>
             </a:fld>
             <a:endParaRPr lang="he-IL"/>
           </a:p>
@@ -1398,7 +1403,7 @@
           <a:p>
             <a:fld id="{855C0E1E-9B08-466F-ACFB-E106034149E5}" type="datetimeFigureOut">
               <a:rPr lang="he-IL" smtClean="0"/>
-              <a:t>א'/טבת/תשפ"ב</a:t>
+              <a:t>ה'/שבט/תשפ"ב</a:t>
             </a:fld>
             <a:endParaRPr lang="he-IL"/>
           </a:p>
@@ -1810,7 +1815,7 @@
           <a:p>
             <a:fld id="{855C0E1E-9B08-466F-ACFB-E106034149E5}" type="datetimeFigureOut">
               <a:rPr lang="he-IL" smtClean="0"/>
-              <a:t>א'/טבת/תשפ"ב</a:t>
+              <a:t>ה'/שבט/תשפ"ב</a:t>
             </a:fld>
             <a:endParaRPr lang="he-IL"/>
           </a:p>
@@ -1951,7 +1956,7 @@
           <a:p>
             <a:fld id="{855C0E1E-9B08-466F-ACFB-E106034149E5}" type="datetimeFigureOut">
               <a:rPr lang="he-IL" smtClean="0"/>
-              <a:t>א'/טבת/תשפ"ב</a:t>
+              <a:t>ה'/שבט/תשפ"ב</a:t>
             </a:fld>
             <a:endParaRPr lang="he-IL"/>
           </a:p>
@@ -2064,7 +2069,7 @@
           <a:p>
             <a:fld id="{855C0E1E-9B08-466F-ACFB-E106034149E5}" type="datetimeFigureOut">
               <a:rPr lang="he-IL" smtClean="0"/>
-              <a:t>א'/טבת/תשפ"ב</a:t>
+              <a:t>ה'/שבט/תשפ"ב</a:t>
             </a:fld>
             <a:endParaRPr lang="he-IL"/>
           </a:p>
@@ -2375,7 +2380,7 @@
           <a:p>
             <a:fld id="{855C0E1E-9B08-466F-ACFB-E106034149E5}" type="datetimeFigureOut">
               <a:rPr lang="he-IL" smtClean="0"/>
-              <a:t>א'/טבת/תשפ"ב</a:t>
+              <a:t>ה'/שבט/תשפ"ב</a:t>
             </a:fld>
             <a:endParaRPr lang="he-IL"/>
           </a:p>
@@ -2663,7 +2668,7 @@
           <a:p>
             <a:fld id="{855C0E1E-9B08-466F-ACFB-E106034149E5}" type="datetimeFigureOut">
               <a:rPr lang="he-IL" smtClean="0"/>
-              <a:t>א'/טבת/תשפ"ב</a:t>
+              <a:t>ה'/שבט/תשפ"ב</a:t>
             </a:fld>
             <a:endParaRPr lang="he-IL"/>
           </a:p>
@@ -2904,7 +2909,7 @@
           <a:p>
             <a:fld id="{855C0E1E-9B08-466F-ACFB-E106034149E5}" type="datetimeFigureOut">
               <a:rPr lang="he-IL" smtClean="0"/>
-              <a:t>א'/טבת/תשפ"ב</a:t>
+              <a:t>ה'/שבט/תשפ"ב</a:t>
             </a:fld>
             <a:endParaRPr lang="he-IL"/>
           </a:p>
@@ -3323,6 +3328,326 @@
       </p:grpSpPr>
       <p:sp>
         <p:nvSpPr>
+          <p:cNvPr id="26" name="מלבן 25">
+            <a:extLst>
+              <a:ext uri="{FF2B5EF4-FFF2-40B4-BE49-F238E27FC236}">
+                <a16:creationId xmlns:a16="http://schemas.microsoft.com/office/drawing/2014/main" id="{A317FD32-4459-47DC-85D7-ED92B8759045}"/>
+              </a:ext>
+            </a:extLst>
+          </p:cNvPr>
+          <p:cNvSpPr/>
+          <p:nvPr/>
+        </p:nvSpPr>
+        <p:spPr>
+          <a:xfrm>
+            <a:off x="3030468" y="4560990"/>
+            <a:ext cx="3937819" cy="1297858"/>
+          </a:xfrm>
+          <a:prstGeom prst="rect">
+            <a:avLst/>
+          </a:prstGeom>
+          <a:solidFill>
+            <a:srgbClr val="C6C6C6"/>
+          </a:solidFill>
+          <a:ln>
+            <a:noFill/>
+          </a:ln>
+        </p:spPr>
+        <p:style>
+          <a:lnRef idx="2">
+            <a:schemeClr val="accent1">
+              <a:shade val="50000"/>
+            </a:schemeClr>
+          </a:lnRef>
+          <a:fillRef idx="1">
+            <a:schemeClr val="accent1"/>
+          </a:fillRef>
+          <a:effectRef idx="0">
+            <a:schemeClr val="accent1"/>
+          </a:effectRef>
+          <a:fontRef idx="minor">
+            <a:schemeClr val="lt1"/>
+          </a:fontRef>
+        </p:style>
+        <p:txBody>
+          <a:bodyPr rtlCol="1" anchor="ctr"/>
+          <a:lstStyle/>
+          <a:p>
+            <a:pPr algn="ctr"/>
+            <a:endParaRPr lang="he-IL"/>
+          </a:p>
+        </p:txBody>
+      </p:sp>
+      <p:pic>
+        <p:nvPicPr>
+          <p:cNvPr id="19" name="תמונה 18" descr="תמונה שמכילה חדר אמבטיה, לבן, מרוצף&#10;&#10;התיאור נוצר באופן אוטומטי">
+            <a:extLst>
+              <a:ext uri="{FF2B5EF4-FFF2-40B4-BE49-F238E27FC236}">
+                <a16:creationId xmlns:a16="http://schemas.microsoft.com/office/drawing/2014/main" id="{E88AC4A8-0037-49BF-A3EC-6FEB2056F06B}"/>
+              </a:ext>
+            </a:extLst>
+          </p:cNvPr>
+          <p:cNvPicPr>
+            <a:picLocks noChangeAspect="1"/>
+          </p:cNvPicPr>
+          <p:nvPr/>
+        </p:nvPicPr>
+        <p:blipFill>
+          <a:blip r:embed="rId2">
+            <a:extLst>
+              <a:ext uri="{28A0092B-C50C-407E-A947-70E740481C1C}">
+                <a14:useLocalDpi xmlns:a14="http://schemas.microsoft.com/office/drawing/2010/main" val="0"/>
+              </a:ext>
+            </a:extLst>
+          </a:blip>
+          <a:stretch>
+            <a:fillRect/>
+          </a:stretch>
+        </p:blipFill>
+        <p:spPr>
+          <a:xfrm>
+            <a:off x="4923419" y="4790714"/>
+            <a:ext cx="838410" cy="838410"/>
+          </a:xfrm>
+          <a:prstGeom prst="rect">
+            <a:avLst/>
+          </a:prstGeom>
+        </p:spPr>
+      </p:pic>
+      <p:pic>
+        <p:nvPicPr>
+          <p:cNvPr id="5" name="תמונה 4">
+            <a:extLst>
+              <a:ext uri="{FF2B5EF4-FFF2-40B4-BE49-F238E27FC236}">
+                <a16:creationId xmlns:a16="http://schemas.microsoft.com/office/drawing/2014/main" id="{2A478969-412D-455C-B7DC-EA4A1618DB02}"/>
+              </a:ext>
+            </a:extLst>
+          </p:cNvPr>
+          <p:cNvPicPr>
+            <a:picLocks noChangeAspect="1"/>
+          </p:cNvPicPr>
+          <p:nvPr/>
+        </p:nvPicPr>
+        <p:blipFill>
+          <a:blip r:embed="rId3">
+            <a:extLst>
+              <a:ext uri="{28A0092B-C50C-407E-A947-70E740481C1C}">
+                <a14:useLocalDpi xmlns:a14="http://schemas.microsoft.com/office/drawing/2010/main" val="0"/>
+              </a:ext>
+            </a:extLst>
+          </a:blip>
+          <a:stretch>
+            <a:fillRect/>
+          </a:stretch>
+        </p:blipFill>
+        <p:spPr>
+          <a:xfrm>
+            <a:off x="5948708" y="4776601"/>
+            <a:ext cx="840511" cy="840511"/>
+          </a:xfrm>
+          <a:prstGeom prst="rect">
+            <a:avLst/>
+          </a:prstGeom>
+        </p:spPr>
+      </p:pic>
+      <p:pic>
+        <p:nvPicPr>
+          <p:cNvPr id="15" name="תמונה 14" descr="תמונה שמכילה טקסט, אוסף תמונות, שמי הלילה&#10;&#10;התיאור נוצר באופן אוטומטי">
+            <a:extLst>
+              <a:ext uri="{FF2B5EF4-FFF2-40B4-BE49-F238E27FC236}">
+                <a16:creationId xmlns:a16="http://schemas.microsoft.com/office/drawing/2014/main" id="{F6FA5382-419C-4779-948C-563BD5EA7378}"/>
+              </a:ext>
+            </a:extLst>
+          </p:cNvPr>
+          <p:cNvPicPr>
+            <a:picLocks noChangeAspect="1"/>
+          </p:cNvPicPr>
+          <p:nvPr/>
+        </p:nvPicPr>
+        <p:blipFill>
+          <a:blip r:embed="rId4">
+            <a:extLst>
+              <a:ext uri="{28A0092B-C50C-407E-A947-70E740481C1C}">
+                <a14:useLocalDpi xmlns:a14="http://schemas.microsoft.com/office/drawing/2010/main" val="0"/>
+              </a:ext>
+            </a:extLst>
+          </a:blip>
+          <a:stretch>
+            <a:fillRect/>
+          </a:stretch>
+        </p:blipFill>
+        <p:spPr>
+          <a:xfrm>
+            <a:off x="3093297" y="4744601"/>
+            <a:ext cx="847992" cy="847992"/>
+          </a:xfrm>
+          <a:prstGeom prst="rect">
+            <a:avLst/>
+          </a:prstGeom>
+        </p:spPr>
+      </p:pic>
+      <p:sp>
+        <p:nvSpPr>
+          <p:cNvPr id="18" name="מלבן 17">
+            <a:extLst>
+              <a:ext uri="{FF2B5EF4-FFF2-40B4-BE49-F238E27FC236}">
+                <a16:creationId xmlns:a16="http://schemas.microsoft.com/office/drawing/2014/main" id="{C166C4DB-E5F7-460A-B0BF-EFF3870CFE90}"/>
+              </a:ext>
+            </a:extLst>
+          </p:cNvPr>
+          <p:cNvSpPr/>
+          <p:nvPr/>
+        </p:nvSpPr>
+        <p:spPr>
+          <a:xfrm>
+            <a:off x="3067665" y="2645251"/>
+            <a:ext cx="3937819" cy="1297858"/>
+          </a:xfrm>
+          <a:prstGeom prst="rect">
+            <a:avLst/>
+          </a:prstGeom>
+          <a:solidFill>
+            <a:srgbClr val="C6C6C6"/>
+          </a:solidFill>
+          <a:ln>
+            <a:noFill/>
+          </a:ln>
+        </p:spPr>
+        <p:style>
+          <a:lnRef idx="2">
+            <a:schemeClr val="accent1">
+              <a:shade val="50000"/>
+            </a:schemeClr>
+          </a:lnRef>
+          <a:fillRef idx="1">
+            <a:schemeClr val="accent1"/>
+          </a:fillRef>
+          <a:effectRef idx="0">
+            <a:schemeClr val="accent1"/>
+          </a:effectRef>
+          <a:fontRef idx="minor">
+            <a:schemeClr val="lt1"/>
+          </a:fontRef>
+        </p:style>
+        <p:txBody>
+          <a:bodyPr rtlCol="1" anchor="ctr"/>
+          <a:lstStyle/>
+          <a:p>
+            <a:pPr algn="ctr"/>
+            <a:endParaRPr lang="he-IL"/>
+          </a:p>
+        </p:txBody>
+      </p:sp>
+      <p:pic>
+        <p:nvPicPr>
+          <p:cNvPr id="7" name="תמונה 6" descr="תמונה שמכילה מרוצף, חדר אמבטיה, אריח, מקורה&#10;&#10;התיאור נוצר באופן אוטומטי">
+            <a:extLst>
+              <a:ext uri="{FF2B5EF4-FFF2-40B4-BE49-F238E27FC236}">
+                <a16:creationId xmlns:a16="http://schemas.microsoft.com/office/drawing/2014/main" id="{D99BD78D-9871-435B-88DF-B0DF18AF0A0A}"/>
+              </a:ext>
+            </a:extLst>
+          </p:cNvPr>
+          <p:cNvPicPr>
+            <a:picLocks noChangeAspect="1"/>
+          </p:cNvPicPr>
+          <p:nvPr/>
+        </p:nvPicPr>
+        <p:blipFill>
+          <a:blip r:embed="rId5">
+            <a:extLst>
+              <a:ext uri="{28A0092B-C50C-407E-A947-70E740481C1C}">
+                <a14:useLocalDpi xmlns:a14="http://schemas.microsoft.com/office/drawing/2010/main" val="0"/>
+              </a:ext>
+            </a:extLst>
+          </a:blip>
+          <a:stretch>
+            <a:fillRect/>
+          </a:stretch>
+        </p:blipFill>
+        <p:spPr>
+          <a:xfrm>
+            <a:off x="4923419" y="2874975"/>
+            <a:ext cx="838410" cy="838410"/>
+          </a:xfrm>
+          <a:prstGeom prst="rect">
+            <a:avLst/>
+          </a:prstGeom>
+        </p:spPr>
+      </p:pic>
+      <p:pic>
+        <p:nvPicPr>
+          <p:cNvPr id="9" name="תמונה 8" descr="תמונה שמכילה טקסט, פסיפס&#10;&#10;התיאור נוצר באופן אוטומטי">
+            <a:extLst>
+              <a:ext uri="{FF2B5EF4-FFF2-40B4-BE49-F238E27FC236}">
+                <a16:creationId xmlns:a16="http://schemas.microsoft.com/office/drawing/2014/main" id="{F0F5A24E-EEF2-4791-A67A-07372B474043}"/>
+              </a:ext>
+            </a:extLst>
+          </p:cNvPr>
+          <p:cNvPicPr>
+            <a:picLocks noChangeAspect="1"/>
+          </p:cNvPicPr>
+          <p:nvPr/>
+        </p:nvPicPr>
+        <p:blipFill>
+          <a:blip r:embed="rId6">
+            <a:extLst>
+              <a:ext uri="{28A0092B-C50C-407E-A947-70E740481C1C}">
+                <a14:useLocalDpi xmlns:a14="http://schemas.microsoft.com/office/drawing/2010/main" val="0"/>
+              </a:ext>
+            </a:extLst>
+          </a:blip>
+          <a:stretch>
+            <a:fillRect/>
+          </a:stretch>
+        </p:blipFill>
+        <p:spPr>
+          <a:xfrm>
+            <a:off x="5948708" y="2874975"/>
+            <a:ext cx="838410" cy="828828"/>
+          </a:xfrm>
+          <a:prstGeom prst="rect">
+            <a:avLst/>
+          </a:prstGeom>
+        </p:spPr>
+      </p:pic>
+      <p:pic>
+        <p:nvPicPr>
+          <p:cNvPr id="17" name="תמונה 16" descr="תמונה שמכילה טקסט, אוסף תמונות, שמי הלילה&#10;&#10;התיאור נוצר באופן אוטומטי">
+            <a:extLst>
+              <a:ext uri="{FF2B5EF4-FFF2-40B4-BE49-F238E27FC236}">
+                <a16:creationId xmlns:a16="http://schemas.microsoft.com/office/drawing/2014/main" id="{DC3F083D-B347-4309-8E23-B47A7BECA918}"/>
+              </a:ext>
+            </a:extLst>
+          </p:cNvPr>
+          <p:cNvPicPr>
+            <a:picLocks noChangeAspect="1"/>
+          </p:cNvPicPr>
+          <p:nvPr/>
+        </p:nvPicPr>
+        <p:blipFill>
+          <a:blip r:embed="rId7">
+            <a:extLst>
+              <a:ext uri="{28A0092B-C50C-407E-A947-70E740481C1C}">
+                <a14:useLocalDpi xmlns:a14="http://schemas.microsoft.com/office/drawing/2010/main" val="0"/>
+              </a:ext>
+            </a:extLst>
+          </a:blip>
+          <a:stretch>
+            <a:fillRect/>
+          </a:stretch>
+        </p:blipFill>
+        <p:spPr>
+          <a:xfrm>
+            <a:off x="3137540" y="2839879"/>
+            <a:ext cx="847992" cy="847992"/>
+          </a:xfrm>
+          <a:prstGeom prst="rect">
+            <a:avLst/>
+          </a:prstGeom>
+        </p:spPr>
+      </p:pic>
+      <p:sp>
+        <p:nvSpPr>
           <p:cNvPr id="24" name="מלבן 23">
             <a:extLst>
               <a:ext uri="{FF2B5EF4-FFF2-40B4-BE49-F238E27FC236}">
@@ -3388,7 +3713,7 @@
           <p:nvPr/>
         </p:nvPicPr>
         <p:blipFill>
-          <a:blip r:embed="rId2"/>
+          <a:blip r:embed="rId8"/>
           <a:stretch>
             <a:fillRect/>
           </a:stretch>
@@ -3405,10 +3730,10 @@
       </p:pic>
       <p:pic>
         <p:nvPicPr>
-          <p:cNvPr id="5" name="תמונה 4">
-            <a:extLst>
-              <a:ext uri="{FF2B5EF4-FFF2-40B4-BE49-F238E27FC236}">
-                <a16:creationId xmlns:a16="http://schemas.microsoft.com/office/drawing/2014/main" id="{2A478969-412D-455C-B7DC-EA4A1618DB02}"/>
+          <p:cNvPr id="11" name="תמונה 10">
+            <a:extLst>
+              <a:ext uri="{FF2B5EF4-FFF2-40B4-BE49-F238E27FC236}">
+                <a16:creationId xmlns:a16="http://schemas.microsoft.com/office/drawing/2014/main" id="{9BECA2B8-0C08-422B-8FC9-9B9221BD655A}"/>
               </a:ext>
             </a:extLst>
           </p:cNvPr>
@@ -3418,115 +3743,7 @@
           <p:nvPr/>
         </p:nvPicPr>
         <p:blipFill>
-          <a:blip r:embed="rId3">
-            <a:extLst>
-              <a:ext uri="{28A0092B-C50C-407E-A947-70E740481C1C}">
-                <a14:useLocalDpi xmlns:a14="http://schemas.microsoft.com/office/drawing/2010/main" val="0"/>
-              </a:ext>
-            </a:extLst>
-          </a:blip>
-          <a:stretch>
-            <a:fillRect/>
-          </a:stretch>
-        </p:blipFill>
-        <p:spPr>
-          <a:xfrm>
-            <a:off x="646203" y="5799822"/>
-            <a:ext cx="840511" cy="840511"/>
-          </a:xfrm>
-          <a:prstGeom prst="rect">
-            <a:avLst/>
-          </a:prstGeom>
-        </p:spPr>
-      </p:pic>
-      <p:pic>
-        <p:nvPicPr>
-          <p:cNvPr id="7" name="תמונה 6" descr="תמונה שמכילה מרוצף, חדר אמבטיה, אריח, מקורה&#10;&#10;התיאור נוצר באופן אוטומטי">
-            <a:extLst>
-              <a:ext uri="{FF2B5EF4-FFF2-40B4-BE49-F238E27FC236}">
-                <a16:creationId xmlns:a16="http://schemas.microsoft.com/office/drawing/2014/main" id="{D99BD78D-9871-435B-88DF-B0DF18AF0A0A}"/>
-              </a:ext>
-            </a:extLst>
-          </p:cNvPr>
-          <p:cNvPicPr>
-            <a:picLocks noChangeAspect="1"/>
-          </p:cNvPicPr>
-          <p:nvPr/>
-        </p:nvPicPr>
-        <p:blipFill>
-          <a:blip r:embed="rId4">
-            <a:extLst>
-              <a:ext uri="{28A0092B-C50C-407E-A947-70E740481C1C}">
-                <a14:useLocalDpi xmlns:a14="http://schemas.microsoft.com/office/drawing/2010/main" val="0"/>
-              </a:ext>
-            </a:extLst>
-          </a:blip>
-          <a:stretch>
-            <a:fillRect/>
-          </a:stretch>
-        </p:blipFill>
-        <p:spPr>
-          <a:xfrm>
-            <a:off x="2496122" y="5790240"/>
-            <a:ext cx="838410" cy="838410"/>
-          </a:xfrm>
-          <a:prstGeom prst="rect">
-            <a:avLst/>
-          </a:prstGeom>
-        </p:spPr>
-      </p:pic>
-      <p:pic>
-        <p:nvPicPr>
-          <p:cNvPr id="9" name="תמונה 8" descr="תמונה שמכילה טקסט, פסיפס&#10;&#10;התיאור נוצר באופן אוטומטי">
-            <a:extLst>
-              <a:ext uri="{FF2B5EF4-FFF2-40B4-BE49-F238E27FC236}">
-                <a16:creationId xmlns:a16="http://schemas.microsoft.com/office/drawing/2014/main" id="{F0F5A24E-EEF2-4791-A67A-07372B474043}"/>
-              </a:ext>
-            </a:extLst>
-          </p:cNvPr>
-          <p:cNvPicPr>
-            <a:picLocks noChangeAspect="1"/>
-          </p:cNvPicPr>
-          <p:nvPr/>
-        </p:nvPicPr>
-        <p:blipFill>
-          <a:blip r:embed="rId5">
-            <a:extLst>
-              <a:ext uri="{28A0092B-C50C-407E-A947-70E740481C1C}">
-                <a14:useLocalDpi xmlns:a14="http://schemas.microsoft.com/office/drawing/2010/main" val="0"/>
-              </a:ext>
-            </a:extLst>
-          </a:blip>
-          <a:stretch>
-            <a:fillRect/>
-          </a:stretch>
-        </p:blipFill>
-        <p:spPr>
-          <a:xfrm>
-            <a:off x="5238098" y="5790240"/>
-            <a:ext cx="838410" cy="828828"/>
-          </a:xfrm>
-          <a:prstGeom prst="rect">
-            <a:avLst/>
-          </a:prstGeom>
-        </p:spPr>
-      </p:pic>
-      <p:pic>
-        <p:nvPicPr>
-          <p:cNvPr id="11" name="תמונה 10">
-            <a:extLst>
-              <a:ext uri="{FF2B5EF4-FFF2-40B4-BE49-F238E27FC236}">
-                <a16:creationId xmlns:a16="http://schemas.microsoft.com/office/drawing/2014/main" id="{9BECA2B8-0C08-422B-8FC9-9B9221BD655A}"/>
-              </a:ext>
-            </a:extLst>
-          </p:cNvPr>
-          <p:cNvPicPr>
-            <a:picLocks noChangeAspect="1"/>
-          </p:cNvPicPr>
-          <p:nvPr/>
-        </p:nvPicPr>
-        <p:blipFill>
-          <a:blip r:embed="rId6">
+          <a:blip r:embed="rId9">
             <a:extLst>
               <a:ext uri="{28A0092B-C50C-407E-A947-70E740481C1C}">
                 <a14:useLocalDpi xmlns:a14="http://schemas.microsoft.com/office/drawing/2010/main" val="0"/>
@@ -3562,7 +3779,7 @@
           <p:nvPr/>
         </p:nvPicPr>
         <p:blipFill>
-          <a:blip r:embed="rId7">
+          <a:blip r:embed="rId10">
             <a:extLst>
               <a:ext uri="{28A0092B-C50C-407E-A947-70E740481C1C}">
                 <a14:useLocalDpi xmlns:a14="http://schemas.microsoft.com/office/drawing/2010/main" val="0"/>
@@ -3577,114 +3794,6 @@
           <a:xfrm>
             <a:off x="3136760" y="832898"/>
             <a:ext cx="847992" cy="847992"/>
-          </a:xfrm>
-          <a:prstGeom prst="rect">
-            <a:avLst/>
-          </a:prstGeom>
-        </p:spPr>
-      </p:pic>
-      <p:pic>
-        <p:nvPicPr>
-          <p:cNvPr id="15" name="תמונה 14" descr="תמונה שמכילה טקסט, אוסף תמונות, שמי הלילה&#10;&#10;התיאור נוצר באופן אוטומטי">
-            <a:extLst>
-              <a:ext uri="{FF2B5EF4-FFF2-40B4-BE49-F238E27FC236}">
-                <a16:creationId xmlns:a16="http://schemas.microsoft.com/office/drawing/2014/main" id="{F6FA5382-419C-4779-948C-563BD5EA7378}"/>
-              </a:ext>
-            </a:extLst>
-          </p:cNvPr>
-          <p:cNvPicPr>
-            <a:picLocks noChangeAspect="1"/>
-          </p:cNvPicPr>
-          <p:nvPr/>
-        </p:nvPicPr>
-        <p:blipFill>
-          <a:blip r:embed="rId8">
-            <a:extLst>
-              <a:ext uri="{28A0092B-C50C-407E-A947-70E740481C1C}">
-                <a14:useLocalDpi xmlns:a14="http://schemas.microsoft.com/office/drawing/2010/main" val="0"/>
-              </a:ext>
-            </a:extLst>
-          </a:blip>
-          <a:stretch>
-            <a:fillRect/>
-          </a:stretch>
-        </p:blipFill>
-        <p:spPr>
-          <a:xfrm>
-            <a:off x="7324833" y="5799822"/>
-            <a:ext cx="847992" cy="847992"/>
-          </a:xfrm>
-          <a:prstGeom prst="rect">
-            <a:avLst/>
-          </a:prstGeom>
-        </p:spPr>
-      </p:pic>
-      <p:pic>
-        <p:nvPicPr>
-          <p:cNvPr id="17" name="תמונה 16" descr="תמונה שמכילה טקסט, אוסף תמונות, שמי הלילה&#10;&#10;התיאור נוצר באופן אוטומטי">
-            <a:extLst>
-              <a:ext uri="{FF2B5EF4-FFF2-40B4-BE49-F238E27FC236}">
-                <a16:creationId xmlns:a16="http://schemas.microsoft.com/office/drawing/2014/main" id="{DC3F083D-B347-4309-8E23-B47A7BECA918}"/>
-              </a:ext>
-            </a:extLst>
-          </p:cNvPr>
-          <p:cNvPicPr>
-            <a:picLocks noChangeAspect="1"/>
-          </p:cNvPicPr>
-          <p:nvPr/>
-        </p:nvPicPr>
-        <p:blipFill>
-          <a:blip r:embed="rId9">
-            <a:extLst>
-              <a:ext uri="{28A0092B-C50C-407E-A947-70E740481C1C}">
-                <a14:useLocalDpi xmlns:a14="http://schemas.microsoft.com/office/drawing/2010/main" val="0"/>
-              </a:ext>
-            </a:extLst>
-          </a:blip>
-          <a:stretch>
-            <a:fillRect/>
-          </a:stretch>
-        </p:blipFill>
-        <p:spPr>
-          <a:xfrm>
-            <a:off x="6260606" y="5790240"/>
-            <a:ext cx="847992" cy="847992"/>
-          </a:xfrm>
-          <a:prstGeom prst="rect">
-            <a:avLst/>
-          </a:prstGeom>
-        </p:spPr>
-      </p:pic>
-      <p:pic>
-        <p:nvPicPr>
-          <p:cNvPr id="19" name="תמונה 18" descr="תמונה שמכילה חדר אמבטיה, לבן, מרוצף&#10;&#10;התיאור נוצר באופן אוטומטי">
-            <a:extLst>
-              <a:ext uri="{FF2B5EF4-FFF2-40B4-BE49-F238E27FC236}">
-                <a16:creationId xmlns:a16="http://schemas.microsoft.com/office/drawing/2014/main" id="{E88AC4A8-0037-49BF-A3EC-6FEB2056F06B}"/>
-              </a:ext>
-            </a:extLst>
-          </p:cNvPr>
-          <p:cNvPicPr>
-            <a:picLocks noChangeAspect="1"/>
-          </p:cNvPicPr>
-          <p:nvPr/>
-        </p:nvPicPr>
-        <p:blipFill>
-          <a:blip r:embed="rId10">
-            <a:extLst>
-              <a:ext uri="{28A0092B-C50C-407E-A947-70E740481C1C}">
-                <a14:useLocalDpi xmlns:a14="http://schemas.microsoft.com/office/drawing/2010/main" val="0"/>
-              </a:ext>
-            </a:extLst>
-          </a:blip>
-          <a:stretch>
-            <a:fillRect/>
-          </a:stretch>
-        </p:blipFill>
-        <p:spPr>
-          <a:xfrm>
-            <a:off x="4357969" y="5790240"/>
-            <a:ext cx="838410" cy="838410"/>
           </a:xfrm>
           <a:prstGeom prst="rect">
             <a:avLst/>
@@ -3794,7 +3903,7 @@
           <p:nvPr/>
         </p:nvPicPr>
         <p:blipFill>
-          <a:blip r:embed="rId2"/>
+          <a:blip r:embed="rId8"/>
           <a:stretch>
             <a:fillRect/>
           </a:stretch>
@@ -3824,7 +3933,7 @@
           <p:nvPr/>
         </p:nvPicPr>
         <p:blipFill>
-          <a:blip r:embed="rId6">
+          <a:blip r:embed="rId9">
             <a:extLst>
               <a:ext uri="{28A0092B-C50C-407E-A947-70E740481C1C}">
                 <a14:useLocalDpi xmlns:a14="http://schemas.microsoft.com/office/drawing/2010/main" val="0"/>
@@ -3860,7 +3969,7 @@
           <p:nvPr/>
         </p:nvPicPr>
         <p:blipFill>
-          <a:blip r:embed="rId7">
+          <a:blip r:embed="rId10">
             <a:extLst>
               <a:ext uri="{28A0092B-C50C-407E-A947-70E740481C1C}">
                 <a14:useLocalDpi xmlns:a14="http://schemas.microsoft.com/office/drawing/2010/main" val="0"/>
@@ -3911,6 +4020,66 @@
           <a:xfrm>
             <a:off x="10144460" y="3684645"/>
             <a:ext cx="314798" cy="314011"/>
+          </a:xfrm>
+          <a:prstGeom prst="rect">
+            <a:avLst/>
+          </a:prstGeom>
+        </p:spPr>
+      </p:pic>
+      <p:pic>
+        <p:nvPicPr>
+          <p:cNvPr id="20" name="תמונה 19">
+            <a:extLst>
+              <a:ext uri="{FF2B5EF4-FFF2-40B4-BE49-F238E27FC236}">
+                <a16:creationId xmlns:a16="http://schemas.microsoft.com/office/drawing/2014/main" id="{E9D4CE9A-0596-448F-A659-52AD5238941F}"/>
+              </a:ext>
+            </a:extLst>
+          </p:cNvPr>
+          <p:cNvPicPr>
+            <a:picLocks noChangeAspect="1"/>
+          </p:cNvPicPr>
+          <p:nvPr/>
+        </p:nvPicPr>
+        <p:blipFill>
+          <a:blip r:embed="rId8"/>
+          <a:stretch>
+            <a:fillRect/>
+          </a:stretch>
+        </p:blipFill>
+        <p:spPr>
+          <a:xfrm>
+            <a:off x="4073130" y="3010221"/>
+            <a:ext cx="661309" cy="541795"/>
+          </a:xfrm>
+          <a:prstGeom prst="rect">
+            <a:avLst/>
+          </a:prstGeom>
+        </p:spPr>
+      </p:pic>
+      <p:pic>
+        <p:nvPicPr>
+          <p:cNvPr id="36" name="תמונה 35">
+            <a:extLst>
+              <a:ext uri="{FF2B5EF4-FFF2-40B4-BE49-F238E27FC236}">
+                <a16:creationId xmlns:a16="http://schemas.microsoft.com/office/drawing/2014/main" id="{614BC91D-EF0B-4D54-A22C-E42032968916}"/>
+              </a:ext>
+            </a:extLst>
+          </p:cNvPr>
+          <p:cNvPicPr>
+            <a:picLocks noChangeAspect="1"/>
+          </p:cNvPicPr>
+          <p:nvPr/>
+        </p:nvPicPr>
+        <p:blipFill>
+          <a:blip r:embed="rId8"/>
+          <a:stretch>
+            <a:fillRect/>
+          </a:stretch>
+        </p:blipFill>
+        <p:spPr>
+          <a:xfrm>
+            <a:off x="4035933" y="4925960"/>
+            <a:ext cx="661309" cy="541795"/>
           </a:xfrm>
           <a:prstGeom prst="rect">
             <a:avLst/>
